--- a/Air Ticket .pptx
+++ b/Air Ticket .pptx
@@ -334,7 +334,7 @@
           <a:p>
             <a:fld id="{397687B0-CEBE-4D2F-A658-B8E0E4141A00}" type="datetimeFigureOut">
               <a:rPr lang="en-US" smtClean="0"/>
-              <a:t>11/22/2020</a:t>
+              <a:t>17-Jun-21</a:t>
             </a:fld>
             <a:endParaRPr lang="en-US"/>
           </a:p>
@@ -582,7 +582,7 @@
           <a:p>
             <a:fld id="{397687B0-CEBE-4D2F-A658-B8E0E4141A00}" type="datetimeFigureOut">
               <a:rPr lang="en-US" smtClean="0"/>
-              <a:t>11/22/2020</a:t>
+              <a:t>17-Jun-21</a:t>
             </a:fld>
             <a:endParaRPr lang="en-US"/>
           </a:p>
@@ -758,7 +758,7 @@
           <a:p>
             <a:fld id="{397687B0-CEBE-4D2F-A658-B8E0E4141A00}" type="datetimeFigureOut">
               <a:rPr lang="en-US" smtClean="0"/>
-              <a:t>11/22/2020</a:t>
+              <a:t>17-Jun-21</a:t>
             </a:fld>
             <a:endParaRPr lang="en-US"/>
           </a:p>
@@ -924,7 +924,7 @@
           <a:p>
             <a:fld id="{397687B0-CEBE-4D2F-A658-B8E0E4141A00}" type="datetimeFigureOut">
               <a:rPr lang="en-US" smtClean="0"/>
-              <a:t>11/22/2020</a:t>
+              <a:t>17-Jun-21</a:t>
             </a:fld>
             <a:endParaRPr lang="en-US"/>
           </a:p>
@@ -1112,7 +1112,7 @@
           <a:p>
             <a:fld id="{397687B0-CEBE-4D2F-A658-B8E0E4141A00}" type="datetimeFigureOut">
               <a:rPr lang="en-US" smtClean="0"/>
-              <a:t>11/22/2020</a:t>
+              <a:t>17-Jun-21</a:t>
             </a:fld>
             <a:endParaRPr lang="en-US"/>
           </a:p>
@@ -1340,7 +1340,7 @@
           <a:p>
             <a:fld id="{397687B0-CEBE-4D2F-A658-B8E0E4141A00}" type="datetimeFigureOut">
               <a:rPr lang="en-US" smtClean="0"/>
-              <a:t>11/22/2020</a:t>
+              <a:t>17-Jun-21</a:t>
             </a:fld>
             <a:endParaRPr lang="en-US"/>
           </a:p>
@@ -1703,7 +1703,7 @@
           <a:p>
             <a:fld id="{397687B0-CEBE-4D2F-A658-B8E0E4141A00}" type="datetimeFigureOut">
               <a:rPr lang="en-US" smtClean="0"/>
-              <a:t>11/22/2020</a:t>
+              <a:t>17-Jun-21</a:t>
             </a:fld>
             <a:endParaRPr lang="en-US"/>
           </a:p>
@@ -1817,7 +1817,7 @@
           <a:p>
             <a:fld id="{397687B0-CEBE-4D2F-A658-B8E0E4141A00}" type="datetimeFigureOut">
               <a:rPr lang="en-US" smtClean="0"/>
-              <a:t>11/22/2020</a:t>
+              <a:t>17-Jun-21</a:t>
             </a:fld>
             <a:endParaRPr lang="en-US"/>
           </a:p>
@@ -1908,7 +1908,7 @@
           <a:p>
             <a:fld id="{397687B0-CEBE-4D2F-A658-B8E0E4141A00}" type="datetimeFigureOut">
               <a:rPr lang="en-US" smtClean="0"/>
-              <a:t>11/22/2020</a:t>
+              <a:t>17-Jun-21</a:t>
             </a:fld>
             <a:endParaRPr lang="en-US"/>
           </a:p>
@@ -2181,7 +2181,7 @@
           <a:p>
             <a:fld id="{397687B0-CEBE-4D2F-A658-B8E0E4141A00}" type="datetimeFigureOut">
               <a:rPr lang="en-US" smtClean="0"/>
-              <a:t>11/22/2020</a:t>
+              <a:t>17-Jun-21</a:t>
             </a:fld>
             <a:endParaRPr lang="en-US"/>
           </a:p>
@@ -2459,7 +2459,7 @@
           <a:p>
             <a:fld id="{397687B0-CEBE-4D2F-A658-B8E0E4141A00}" type="datetimeFigureOut">
               <a:rPr lang="en-US" smtClean="0"/>
-              <a:t>11/22/2020</a:t>
+              <a:t>17-Jun-21</a:t>
             </a:fld>
             <a:endParaRPr lang="en-US"/>
           </a:p>
@@ -2729,7 +2729,7 @@
           <a:p>
             <a:fld id="{397687B0-CEBE-4D2F-A658-B8E0E4141A00}" type="datetimeFigureOut">
               <a:rPr lang="en-US" smtClean="0"/>
-              <a:t>11/22/2020</a:t>
+              <a:t>17-Jun-21</a:t>
             </a:fld>
             <a:endParaRPr lang="en-US"/>
           </a:p>
@@ -3431,63 +3431,6 @@
             </a:endParaRPr>
           </a:p>
           <a:p>
-            <a:pPr algn="ctr"/>
-            <a:r>
-              <a:rPr lang="en-US" sz="2600" dirty="0" smtClean="0">
-                <a:solidFill>
-                  <a:schemeClr val="tx1"/>
-                </a:solidFill>
-                <a:latin typeface="Cambria" panose="02040503050406030204" charset="0"/>
-                <a:cs typeface="Cambria" panose="02040503050406030204" charset="0"/>
-              </a:rPr>
-              <a:t>Enroll. : 918001510</a:t>
-            </a:r>
-            <a:r>
-              <a:rPr lang="en-IN" altLang="en-US" sz="2600" dirty="0" smtClean="0">
-                <a:solidFill>
-                  <a:schemeClr val="tx1"/>
-                </a:solidFill>
-                <a:latin typeface="Cambria" panose="02040503050406030204" charset="0"/>
-                <a:cs typeface="Cambria" panose="02040503050406030204" charset="0"/>
-              </a:rPr>
-              <a:t>30</a:t>
-            </a:r>
-            <a:endParaRPr lang="en-US" sz="2600" dirty="0" smtClean="0">
-              <a:solidFill>
-                <a:schemeClr val="tx1"/>
-              </a:solidFill>
-              <a:latin typeface="Cambria" panose="02040503050406030204" charset="0"/>
-              <a:cs typeface="Cambria" panose="02040503050406030204" charset="0"/>
-            </a:endParaRPr>
-          </a:p>
-          <a:p>
-            <a:pPr algn="ctr"/>
-            <a:r>
-              <a:rPr lang="en-US" sz="2600" dirty="0" smtClean="0">
-                <a:solidFill>
-                  <a:schemeClr val="tx1"/>
-                </a:solidFill>
-                <a:latin typeface="Cambria" panose="02040503050406030204" charset="0"/>
-                <a:cs typeface="Cambria" panose="02040503050406030204" charset="0"/>
-              </a:rPr>
-              <a:t>Guided by :Proff. Pratiti Mankodi </a:t>
-            </a:r>
-            <a:r>
-              <a:rPr lang="en-IN" altLang="en-US" sz="2600" dirty="0" smtClean="0">
-                <a:solidFill>
-                  <a:schemeClr val="tx1"/>
-                </a:solidFill>
-                <a:latin typeface="Cambria" panose="02040503050406030204" charset="0"/>
-                <a:cs typeface="Cambria" panose="02040503050406030204" charset="0"/>
-              </a:rPr>
-              <a:t>Ma'am</a:t>
-            </a:r>
-            <a:endParaRPr lang="en-US" sz="2600" dirty="0" smtClean="0">
-              <a:latin typeface="Cambria" panose="02040503050406030204" charset="0"/>
-              <a:cs typeface="Cambria" panose="02040503050406030204" charset="0"/>
-            </a:endParaRPr>
-          </a:p>
-          <a:p>
             <a:endParaRPr lang="en-US" sz="2600" b="0" dirty="0" smtClean="0">
               <a:latin typeface="Cambria" panose="02040503050406030204" charset="0"/>
               <a:cs typeface="Cambria" panose="02040503050406030204" charset="0"/>
@@ -4193,11 +4136,7 @@
           <a:p>
             <a:r>
               <a:rPr lang="en-IN" dirty="0" smtClean="0"/>
-              <a:t>Book</a:t>
-            </a:r>
-            <a:r>
-              <a:rPr lang="en-IN" dirty="0" smtClean="0"/>
-              <a:t> Flight.</a:t>
+              <a:t>Book Flight.</a:t>
             </a:r>
             <a:endParaRPr lang="en-IN" dirty="0"/>
           </a:p>
@@ -5801,14 +5740,7 @@
                 <a:latin typeface="Cambria" panose="02040503050406030204" pitchFamily="18" charset="0"/>
                 <a:ea typeface="Cambria" panose="02040503050406030204" pitchFamily="18" charset="0"/>
               </a:rPr>
-              <a:t>Booking </a:t>
-            </a:r>
-            <a:r>
-              <a:rPr lang="en-US" u="sng" dirty="0" smtClean="0">
-                <a:latin typeface="Cambria" panose="02040503050406030204" pitchFamily="18" charset="0"/>
-                <a:ea typeface="Cambria" panose="02040503050406030204" pitchFamily="18" charset="0"/>
-              </a:rPr>
-              <a:t>Confirmation </a:t>
+              <a:t>Booking Confirmation </a:t>
             </a:r>
             <a:r>
               <a:rPr lang="en-US" u="sng" dirty="0">
